--- a/Презентация SonicRun.pptx
+++ b/Презентация SonicRun.pptx
@@ -3155,28 +3155,47 @@
           <a:lstStyle/>
           <a:p>
             <a:r>
+              <a:rPr dirty="0" err="1"/>
+              <a:t>Презентация</a:t>
+            </a:r>
+            <a:r>
+              <a:rPr dirty="0"/>
+              <a:t> </a:t>
+            </a:r>
+            <a:r>
+              <a:rPr dirty="0" err="1"/>
+              <a:t>для</a:t>
+            </a:r>
+            <a:r>
+              <a:rPr dirty="0"/>
+              <a:t> </a:t>
+            </a:r>
+            <a:r>
+              <a:rPr dirty="0" err="1"/>
+              <a:t>защиты</a:t>
+            </a:r>
+            <a:r>
+              <a:rPr dirty="0"/>
+              <a:t> </a:t>
+            </a:r>
+            <a:r>
+              <a:rPr dirty="0" err="1"/>
+              <a:t>проекта</a:t>
+            </a:r>
+            <a:endParaRPr dirty="0"/>
+          </a:p>
+          <a:p>
+            <a:r>
+              <a:rPr dirty="0" err="1"/>
+              <a:t>Автор</a:t>
+            </a:r>
+            <a:r>
+              <a:rPr dirty="0"/>
+              <a:t>: </a:t>
+            </a:r>
+            <a:r>
               <a:rPr lang="ru-RU" dirty="0" smtClean="0"/>
-              <a:t>Защита проекта </a:t>
-            </a:r>
-            <a:r>
-              <a:rPr lang="ru-RU" dirty="0" err="1" smtClean="0"/>
-              <a:t>Алямовского</a:t>
-            </a:r>
-            <a:r>
-              <a:rPr lang="ru-RU" dirty="0" smtClean="0"/>
-              <a:t> Саввы </a:t>
-            </a:r>
-            <a:r>
-              <a:rPr lang="en-US" dirty="0" smtClean="0"/>
-              <a:t>“</a:t>
-            </a:r>
-            <a:r>
-              <a:rPr lang="en-US" dirty="0" err="1" smtClean="0"/>
-              <a:t>SonicRun</a:t>
-            </a:r>
-            <a:r>
-              <a:rPr lang="en-US" dirty="0" smtClean="0"/>
-              <a:t>”</a:t>
+              <a:t>Алямовский Савва</a:t>
             </a:r>
             <a:endParaRPr dirty="0"/>
           </a:p>
@@ -3240,17 +3259,206 @@
         </p:nvSpPr>
         <p:spPr/>
         <p:txBody>
-          <a:bodyPr/>
-          <a:lstStyle/>
-          <a:p>
-            <a:r>
-              <a:t>SonicRun — это игра, разработанная на Python, где игрок управляет Соником, преодолевающим препятствия.</a:t>
-            </a:r>
-          </a:p>
-          <a:p>
-            <a:r>
-              <a:t>Цель проекта: создать увлекательную и динамичную игру.</a:t>
-            </a:r>
+          <a:bodyPr>
+            <a:normAutofit/>
+          </a:bodyPr>
+          <a:lstStyle/>
+          <a:p>
+            <a:r>
+              <a:rPr dirty="0" err="1"/>
+              <a:t>Идея</a:t>
+            </a:r>
+            <a:r>
+              <a:rPr dirty="0"/>
+              <a:t> </a:t>
+            </a:r>
+            <a:r>
+              <a:rPr dirty="0" err="1"/>
+              <a:t>проекта</a:t>
+            </a:r>
+            <a:r>
+              <a:rPr dirty="0"/>
+              <a:t>: </a:t>
+            </a:r>
+            <a:r>
+              <a:rPr dirty="0" err="1"/>
+              <a:t>разработать</a:t>
+            </a:r>
+            <a:r>
+              <a:rPr dirty="0"/>
+              <a:t> </a:t>
+            </a:r>
+            <a:r>
+              <a:rPr dirty="0" err="1"/>
+              <a:t>игру</a:t>
+            </a:r>
+            <a:r>
+              <a:rPr dirty="0"/>
+              <a:t>, </a:t>
+            </a:r>
+            <a:r>
+              <a:rPr dirty="0" err="1"/>
+              <a:t>которая</a:t>
+            </a:r>
+            <a:r>
+              <a:rPr dirty="0"/>
+              <a:t> </a:t>
+            </a:r>
+            <a:r>
+              <a:rPr dirty="0" err="1"/>
+              <a:t>сочетает</a:t>
+            </a:r>
+            <a:r>
+              <a:rPr dirty="0"/>
+              <a:t> </a:t>
+            </a:r>
+            <a:r>
+              <a:rPr dirty="0" err="1"/>
+              <a:t>динамичный</a:t>
+            </a:r>
+            <a:r>
+              <a:rPr dirty="0"/>
+              <a:t> </a:t>
+            </a:r>
+            <a:r>
+              <a:rPr dirty="0" err="1"/>
+              <a:t>геймплей</a:t>
+            </a:r>
+            <a:r>
+              <a:rPr dirty="0"/>
+              <a:t> и </a:t>
+            </a:r>
+            <a:r>
+              <a:rPr dirty="0" err="1"/>
+              <a:t>интуитивно</a:t>
+            </a:r>
+            <a:r>
+              <a:rPr dirty="0"/>
+              <a:t> </a:t>
+            </a:r>
+            <a:r>
+              <a:rPr dirty="0" err="1"/>
+              <a:t>понятное</a:t>
+            </a:r>
+            <a:r>
+              <a:rPr dirty="0"/>
+              <a:t> </a:t>
+            </a:r>
+            <a:r>
+              <a:rPr dirty="0" err="1"/>
+              <a:t>управление</a:t>
+            </a:r>
+            <a:r>
+              <a:rPr dirty="0"/>
+              <a:t>.</a:t>
+            </a:r>
+          </a:p>
+          <a:p>
+            <a:r>
+              <a:rPr dirty="0" err="1"/>
+              <a:t>Задачи</a:t>
+            </a:r>
+            <a:r>
+              <a:rPr dirty="0"/>
+              <a:t> </a:t>
+            </a:r>
+            <a:r>
+              <a:rPr dirty="0" err="1"/>
+              <a:t>проекта</a:t>
+            </a:r>
+            <a:r>
+              <a:rPr dirty="0"/>
+              <a:t>:</a:t>
+            </a:r>
+          </a:p>
+          <a:p>
+            <a:r>
+              <a:rPr dirty="0"/>
+              <a:t>- </a:t>
+            </a:r>
+            <a:r>
+              <a:rPr dirty="0" err="1"/>
+              <a:t>Продемонстрировать</a:t>
+            </a:r>
+            <a:r>
+              <a:rPr dirty="0"/>
+              <a:t> </a:t>
+            </a:r>
+            <a:r>
+              <a:rPr dirty="0" err="1"/>
+              <a:t>навыки</a:t>
+            </a:r>
+            <a:r>
+              <a:rPr dirty="0"/>
+              <a:t> </a:t>
+            </a:r>
+            <a:r>
+              <a:rPr dirty="0" err="1"/>
+              <a:t>программирования</a:t>
+            </a:r>
+            <a:r>
+              <a:rPr dirty="0"/>
+              <a:t> </a:t>
+            </a:r>
+            <a:r>
+              <a:rPr dirty="0" err="1"/>
+              <a:t>на</a:t>
+            </a:r>
+            <a:r>
+              <a:rPr dirty="0"/>
+              <a:t> Python</a:t>
+            </a:r>
+          </a:p>
+          <a:p>
+            <a:r>
+              <a:rPr dirty="0"/>
+              <a:t>- </a:t>
+            </a:r>
+            <a:r>
+              <a:rPr dirty="0" err="1"/>
+              <a:t>Использовать</a:t>
+            </a:r>
+            <a:r>
+              <a:rPr dirty="0"/>
+              <a:t> </a:t>
+            </a:r>
+            <a:r>
+              <a:rPr dirty="0" err="1"/>
+              <a:t>современные</a:t>
+            </a:r>
+            <a:r>
+              <a:rPr dirty="0"/>
+              <a:t> </a:t>
+            </a:r>
+            <a:r>
+              <a:rPr dirty="0" err="1"/>
+              <a:t>библиотеки</a:t>
+            </a:r>
+            <a:r>
+              <a:rPr dirty="0"/>
+              <a:t> </a:t>
+            </a:r>
+            <a:r>
+              <a:rPr dirty="0" err="1"/>
+              <a:t>для</a:t>
+            </a:r>
+            <a:r>
+              <a:rPr dirty="0"/>
+              <a:t> </a:t>
+            </a:r>
+            <a:r>
+              <a:rPr dirty="0" err="1"/>
+              <a:t>создания</a:t>
+            </a:r>
+            <a:r>
+              <a:rPr dirty="0"/>
+              <a:t> </a:t>
+            </a:r>
+            <a:r>
+              <a:rPr dirty="0" err="1" smtClean="0"/>
+              <a:t>игр</a:t>
+            </a:r>
+            <a:endParaRPr dirty="0"/>
           </a:p>
         </p:txBody>
       </p:sp>
@@ -3348,7 +3556,11 @@
             </a:r>
             <a:r>
               <a:rPr lang="ru-RU" dirty="0" smtClean="0"/>
-              <a:t>Увеличение уровня сложности</a:t>
+              <a:t>Увеличение уровня </a:t>
+            </a:r>
+            <a:r>
+              <a:rPr dirty="0" err="1" smtClean="0"/>
+              <a:t>сложности</a:t>
             </a:r>
             <a:endParaRPr dirty="0"/>
           </a:p>
@@ -3470,13 +3682,111 @@
           <a:lstStyle/>
           <a:p>
             <a:r>
-              <a:t>- Язык программирования: Python</a:t>
-            </a:r>
-          </a:p>
-          <a:p>
-            <a:r>
-              <a:t>- Используемые библиотеки: Pygame для графики и анимации</a:t>
-            </a:r>
+              <a:rPr dirty="0"/>
+              <a:t>- </a:t>
+            </a:r>
+            <a:r>
+              <a:rPr dirty="0" err="1"/>
+              <a:t>Язык</a:t>
+            </a:r>
+            <a:r>
+              <a:rPr dirty="0"/>
+              <a:t> </a:t>
+            </a:r>
+            <a:r>
+              <a:rPr dirty="0" err="1"/>
+              <a:t>программирования</a:t>
+            </a:r>
+            <a:r>
+              <a:rPr dirty="0"/>
+              <a:t>: Python</a:t>
+            </a:r>
+          </a:p>
+          <a:p>
+            <a:r>
+              <a:rPr dirty="0"/>
+              <a:t>- </a:t>
+            </a:r>
+            <a:r>
+              <a:rPr dirty="0" err="1"/>
+              <a:t>Используемые</a:t>
+            </a:r>
+            <a:r>
+              <a:rPr dirty="0"/>
+              <a:t> </a:t>
+            </a:r>
+            <a:r>
+              <a:rPr dirty="0" err="1"/>
+              <a:t>библиотеки</a:t>
+            </a:r>
+            <a:r>
+              <a:rPr dirty="0"/>
+              <a:t>: </a:t>
+            </a:r>
+            <a:r>
+              <a:rPr dirty="0" err="1"/>
+              <a:t>Pygame</a:t>
+            </a:r>
+            <a:r>
+              <a:rPr dirty="0"/>
+              <a:t> </a:t>
+            </a:r>
+            <a:r>
+              <a:rPr dirty="0" err="1"/>
+              <a:t>для</a:t>
+            </a:r>
+            <a:r>
+              <a:rPr dirty="0"/>
+              <a:t> </a:t>
+            </a:r>
+            <a:r>
+              <a:rPr dirty="0" err="1"/>
+              <a:t>графики</a:t>
+            </a:r>
+            <a:r>
+              <a:rPr dirty="0"/>
+              <a:t>, </a:t>
+            </a:r>
+            <a:r>
+              <a:rPr dirty="0" err="1"/>
+              <a:t>обработки</a:t>
+            </a:r>
+            <a:r>
+              <a:rPr dirty="0"/>
+              <a:t> </a:t>
+            </a:r>
+            <a:r>
+              <a:rPr dirty="0" err="1" smtClean="0"/>
+              <a:t>событий</a:t>
+            </a:r>
+            <a:endParaRPr dirty="0"/>
+          </a:p>
+          <a:p>
+            <a:r>
+              <a:rPr dirty="0"/>
+              <a:t>- </a:t>
+            </a:r>
+            <a:r>
+              <a:rPr dirty="0" err="1"/>
+              <a:t>Среда</a:t>
+            </a:r>
+            <a:r>
+              <a:rPr dirty="0"/>
+              <a:t> </a:t>
+            </a:r>
+            <a:r>
+              <a:rPr dirty="0" err="1"/>
+              <a:t>разработки</a:t>
+            </a:r>
+            <a:r>
+              <a:rPr dirty="0"/>
+              <a:t>: </a:t>
+            </a:r>
+            <a:r>
+              <a:rPr dirty="0" err="1"/>
+              <a:t>PyCharm</a:t>
+            </a:r>
+            <a:endParaRPr dirty="0"/>
           </a:p>
         </p:txBody>
       </p:sp>
@@ -3521,7 +3831,7 @@
           <a:lstStyle/>
           <a:p>
             <a:r>
-              <a:t>Структура проекта</a:t>
+              <a:t>Описание реализации</a:t>
             </a:r>
           </a:p>
         </p:txBody>
@@ -3538,22 +3848,270 @@
         </p:nvSpPr>
         <p:spPr/>
         <p:txBody>
-          <a:bodyPr/>
-          <a:lstStyle/>
-          <a:p>
-            <a:r>
-              <a:t>- main.py: основной файл с логикой игры</a:t>
-            </a:r>
-          </a:p>
-          <a:p>
-            <a:r>
-              <a:t>- Папка Texture: содержит графические ресурсы (спрайты и фоны)</a:t>
-            </a:r>
-          </a:p>
-          <a:p>
-            <a:r>
-              <a:t>- Пояснительная записка к SonicRun.docx: документ с описанием проекта</a:t>
-            </a:r>
+          <a:bodyPr>
+            <a:normAutofit fontScale="85000" lnSpcReduction="20000"/>
+          </a:bodyPr>
+          <a:lstStyle/>
+          <a:p>
+            <a:r>
+              <a:rPr dirty="0" err="1"/>
+              <a:t>Структура</a:t>
+            </a:r>
+            <a:r>
+              <a:rPr dirty="0"/>
+              <a:t> </a:t>
+            </a:r>
+            <a:r>
+              <a:rPr dirty="0" err="1"/>
+              <a:t>приложения</a:t>
+            </a:r>
+            <a:r>
+              <a:rPr dirty="0"/>
+              <a:t>:</a:t>
+            </a:r>
+          </a:p>
+          <a:p>
+            <a:r>
+              <a:rPr dirty="0"/>
+              <a:t>- main.py: </a:t>
+            </a:r>
+            <a:r>
+              <a:rPr dirty="0" err="1"/>
+              <a:t>отвечает</a:t>
+            </a:r>
+            <a:r>
+              <a:rPr dirty="0"/>
+              <a:t> </a:t>
+            </a:r>
+            <a:r>
+              <a:rPr dirty="0" err="1"/>
+              <a:t>за</a:t>
+            </a:r>
+            <a:r>
+              <a:rPr dirty="0"/>
+              <a:t> </a:t>
+            </a:r>
+            <a:r>
+              <a:rPr dirty="0" err="1"/>
+              <a:t>запуск</a:t>
+            </a:r>
+            <a:r>
+              <a:rPr dirty="0"/>
+              <a:t> </a:t>
+            </a:r>
+            <a:r>
+              <a:rPr dirty="0" err="1"/>
+              <a:t>игры</a:t>
+            </a:r>
+            <a:r>
+              <a:rPr dirty="0"/>
+              <a:t> и </a:t>
+            </a:r>
+            <a:r>
+              <a:rPr dirty="0" err="1"/>
+              <a:t>управление</a:t>
+            </a:r>
+            <a:r>
+              <a:rPr dirty="0"/>
+              <a:t> </a:t>
+            </a:r>
+            <a:r>
+              <a:rPr dirty="0" err="1"/>
+              <a:t>логикой</a:t>
+            </a:r>
+            <a:endParaRPr dirty="0"/>
+          </a:p>
+          <a:p>
+            <a:r>
+              <a:rPr dirty="0"/>
+              <a:t>- </a:t>
+            </a:r>
+            <a:r>
+              <a:rPr dirty="0" err="1"/>
+              <a:t>Классы</a:t>
+            </a:r>
+            <a:r>
+              <a:rPr dirty="0"/>
+              <a:t>:</a:t>
+            </a:r>
+          </a:p>
+          <a:p>
+            <a:r>
+              <a:rPr dirty="0"/>
+              <a:t>  - </a:t>
+            </a:r>
+            <a:r>
+              <a:rPr lang="en-US" dirty="0" smtClean="0"/>
+              <a:t>Sonic</a:t>
+            </a:r>
+            <a:r>
+              <a:rPr dirty="0" smtClean="0"/>
+              <a:t>: </a:t>
+            </a:r>
+            <a:r>
+              <a:rPr dirty="0" err="1"/>
+              <a:t>управление</a:t>
+            </a:r>
+            <a:r>
+              <a:rPr dirty="0"/>
+              <a:t> </a:t>
+            </a:r>
+            <a:r>
+              <a:rPr dirty="0" err="1"/>
+              <a:t>персонажем</a:t>
+            </a:r>
+            <a:endParaRPr dirty="0"/>
+          </a:p>
+          <a:p>
+            <a:r>
+              <a:rPr dirty="0"/>
+              <a:t>  - Obstacle: </a:t>
+            </a:r>
+            <a:r>
+              <a:rPr dirty="0" err="1"/>
+              <a:t>логика</a:t>
+            </a:r>
+            <a:r>
+              <a:rPr dirty="0"/>
+              <a:t> </a:t>
+            </a:r>
+            <a:r>
+              <a:rPr dirty="0" err="1"/>
+              <a:t>препятствий</a:t>
+            </a:r>
+            <a:endParaRPr dirty="0"/>
+          </a:p>
+          <a:p>
+            <a:r>
+              <a:rPr dirty="0"/>
+              <a:t>  - Game: </a:t>
+            </a:r>
+            <a:r>
+              <a:rPr dirty="0" err="1"/>
+              <a:t>общий</a:t>
+            </a:r>
+            <a:r>
+              <a:rPr dirty="0"/>
+              <a:t> </a:t>
+            </a:r>
+            <a:r>
+              <a:rPr dirty="0" err="1"/>
+              <a:t>цикл</a:t>
+            </a:r>
+            <a:r>
+              <a:rPr dirty="0"/>
+              <a:t> </a:t>
+            </a:r>
+            <a:r>
+              <a:rPr dirty="0" err="1"/>
+              <a:t>игры</a:t>
+            </a:r>
+            <a:endParaRPr dirty="0"/>
+          </a:p>
+          <a:p>
+            <a:r>
+              <a:rPr dirty="0"/>
+              <a:t>- </a:t>
+            </a:r>
+            <a:r>
+              <a:rPr dirty="0" err="1"/>
+              <a:t>Папка</a:t>
+            </a:r>
+            <a:r>
+              <a:rPr dirty="0"/>
+              <a:t> Texture: </a:t>
+            </a:r>
+            <a:r>
+              <a:rPr dirty="0" err="1"/>
+              <a:t>хранение</a:t>
+            </a:r>
+            <a:r>
+              <a:rPr dirty="0"/>
+              <a:t> </a:t>
+            </a:r>
+            <a:r>
+              <a:rPr dirty="0" err="1"/>
+              <a:t>графических</a:t>
+            </a:r>
+            <a:r>
+              <a:rPr dirty="0"/>
+              <a:t> </a:t>
+            </a:r>
+            <a:r>
+              <a:rPr dirty="0" err="1"/>
+              <a:t>ресурсов</a:t>
+            </a:r>
+            <a:r>
+              <a:rPr dirty="0"/>
+              <a:t> (</a:t>
+            </a:r>
+            <a:r>
+              <a:rPr dirty="0" err="1"/>
+              <a:t>спрайты</a:t>
+            </a:r>
+            <a:r>
+              <a:rPr dirty="0"/>
+              <a:t>, </a:t>
+            </a:r>
+            <a:r>
+              <a:rPr dirty="0" err="1"/>
+              <a:t>фоны</a:t>
+            </a:r>
+            <a:r>
+              <a:rPr dirty="0"/>
+              <a:t>)</a:t>
+            </a:r>
+          </a:p>
+          <a:p>
+            <a:r>
+              <a:rPr dirty="0"/>
+              <a:t>- </a:t>
+            </a:r>
+            <a:r>
+              <a:rPr dirty="0" err="1"/>
+              <a:t>Технологии</a:t>
+            </a:r>
+            <a:r>
+              <a:rPr dirty="0"/>
+              <a:t>: </a:t>
+            </a:r>
+            <a:r>
+              <a:rPr dirty="0" err="1"/>
+              <a:t>использование</a:t>
+            </a:r>
+            <a:r>
+              <a:rPr dirty="0"/>
+              <a:t> </a:t>
+            </a:r>
+            <a:r>
+              <a:rPr dirty="0" err="1"/>
+              <a:t>Pygame</a:t>
+            </a:r>
+            <a:r>
+              <a:rPr dirty="0"/>
+              <a:t> </a:t>
+            </a:r>
+            <a:r>
+              <a:rPr dirty="0" err="1"/>
+              <a:t>для</a:t>
+            </a:r>
+            <a:r>
+              <a:rPr dirty="0"/>
+              <a:t> </a:t>
+            </a:r>
+            <a:r>
+              <a:rPr dirty="0" err="1"/>
+              <a:t>взаимодействия</a:t>
+            </a:r>
+            <a:r>
+              <a:rPr dirty="0"/>
+              <a:t> с </a:t>
+            </a:r>
+            <a:r>
+              <a:rPr dirty="0" err="1" smtClean="0"/>
+              <a:t>графикой</a:t>
+            </a:r>
+            <a:endParaRPr dirty="0"/>
           </a:p>
         </p:txBody>
       </p:sp>
@@ -3603,80 +4161,27 @@
           </a:p>
         </p:txBody>
       </p:sp>
-      <p:pic>
-        <p:nvPicPr>
-          <p:cNvPr id="5" name="Объект 4"/>
-          <p:cNvPicPr>
-            <a:picLocks noGrp="1" noChangeAspect="1"/>
-          </p:cNvPicPr>
+      <p:sp>
+        <p:nvSpPr>
+          <p:cNvPr id="3" name="Content Placeholder 2"/>
+          <p:cNvSpPr>
+            <a:spLocks noGrp="1"/>
+          </p:cNvSpPr>
           <p:nvPr>
             <p:ph idx="1"/>
           </p:nvPr>
-        </p:nvPicPr>
-        <p:blipFill>
-          <a:blip r:embed="rId2"/>
-          <a:stretch>
-            <a:fillRect/>
-          </a:stretch>
-        </p:blipFill>
-        <p:spPr>
-          <a:xfrm>
-            <a:off x="4292996" y="1600200"/>
-            <a:ext cx="3795843" cy="2186404"/>
-          </a:xfrm>
-          <a:prstGeom prst="rect">
-            <a:avLst/>
-          </a:prstGeom>
-        </p:spPr>
-      </p:pic>
-      <p:pic>
-        <p:nvPicPr>
-          <p:cNvPr id="4" name="Рисунок 3"/>
-          <p:cNvPicPr>
-            <a:picLocks noChangeAspect="1"/>
-          </p:cNvPicPr>
-          <p:nvPr/>
-        </p:nvPicPr>
-        <p:blipFill>
-          <a:blip r:embed="rId3"/>
-          <a:stretch>
-            <a:fillRect/>
-          </a:stretch>
-        </p:blipFill>
-        <p:spPr>
-          <a:xfrm>
-            <a:off x="457200" y="1600200"/>
-            <a:ext cx="3835796" cy="2186404"/>
-          </a:xfrm>
-          <a:prstGeom prst="rect">
-            <a:avLst/>
-          </a:prstGeom>
-        </p:spPr>
-      </p:pic>
-      <p:pic>
-        <p:nvPicPr>
-          <p:cNvPr id="6" name="Рисунок 5"/>
-          <p:cNvPicPr>
-            <a:picLocks noChangeAspect="1"/>
-          </p:cNvPicPr>
-          <p:nvPr/>
-        </p:nvPicPr>
-        <p:blipFill>
-          <a:blip r:embed="rId4"/>
-          <a:stretch>
-            <a:fillRect/>
-          </a:stretch>
-        </p:blipFill>
-        <p:spPr>
-          <a:xfrm>
-            <a:off x="2162908" y="3786604"/>
-            <a:ext cx="4596909" cy="2620824"/>
-          </a:xfrm>
-          <a:prstGeom prst="rect">
-            <a:avLst/>
-          </a:prstGeom>
-        </p:spPr>
-      </p:pic>
+        </p:nvSpPr>
+        <p:spPr/>
+        <p:txBody>
+          <a:bodyPr/>
+          <a:lstStyle/>
+          <a:p>
+            <a:r>
+              <a:t>Скриншоты или видео геймплея, показывающие основные аспекты игры.</a:t>
+            </a:r>
+          </a:p>
+        </p:txBody>
+      </p:sp>
     </p:spTree>
   </p:cSld>
   <p:clrMapOvr>
@@ -3827,16 +4332,43 @@
         </p:nvSpPr>
         <p:spPr/>
         <p:txBody>
-          <a:bodyPr/>
-          <a:lstStyle/>
-          <a:p>
-            <a:r>
-              <a:t>Результаты: успешная разработка и тестирование игры SonicRun.</a:t>
-            </a:r>
-          </a:p>
-          <a:p>
-            <a:r>
-              <a:t>Планы на будущее: добавление новых уровней, улучшение графики, расширение функционала.</a:t>
+          <a:bodyPr>
+            <a:normAutofit fontScale="92500" lnSpcReduction="10000"/>
+          </a:bodyPr>
+          <a:lstStyle/>
+          <a:p>
+            <a:r>
+              <a:t>Выводы по работе:</a:t>
+            </a:r>
+          </a:p>
+          <a:p>
+            <a:r>
+              <a:t>- SonicRun разработан и успешно протестирован.</a:t>
+            </a:r>
+          </a:p>
+          <a:p>
+            <a:r>
+              <a:t>- Игра демонстрирует использование Pygame для создания графики и анимации.</a:t>
+            </a:r>
+          </a:p>
+          <a:p>
+            <a:r>
+              <a:t>Возможности для доработки:</a:t>
+            </a:r>
+          </a:p>
+          <a:p>
+            <a:r>
+              <a:t>- Добавление новых уровней и препятствий</a:t>
+            </a:r>
+          </a:p>
+          <a:p>
+            <a:r>
+              <a:t>- Улучшение графического интерфейса</a:t>
+            </a:r>
+          </a:p>
+          <a:p>
+            <a:r>
+              <a:t>- Реализация многопользовательского режима</a:t>
             </a:r>
           </a:p>
         </p:txBody>

--- a/Презентация SonicRun.pptx
+++ b/Презентация SonicRun.pptx
@@ -4161,27 +4161,80 @@
           </a:p>
         </p:txBody>
       </p:sp>
-      <p:sp>
-        <p:nvSpPr>
-          <p:cNvPr id="3" name="Content Placeholder 2"/>
-          <p:cNvSpPr>
-            <a:spLocks noGrp="1"/>
-          </p:cNvSpPr>
+      <p:pic>
+        <p:nvPicPr>
+          <p:cNvPr id="4" name="Объект 3"/>
+          <p:cNvPicPr>
+            <a:picLocks noGrp="1" noChangeAspect="1"/>
+          </p:cNvPicPr>
           <p:nvPr>
             <p:ph idx="1"/>
           </p:nvPr>
-        </p:nvSpPr>
-        <p:spPr/>
-        <p:txBody>
-          <a:bodyPr/>
-          <a:lstStyle/>
-          <a:p>
-            <a:r>
-              <a:t>Скриншоты или видео геймплея, показывающие основные аспекты игры.</a:t>
-            </a:r>
-          </a:p>
-        </p:txBody>
-      </p:sp>
+        </p:nvPicPr>
+        <p:blipFill>
+          <a:blip r:embed="rId2"/>
+          <a:stretch>
+            <a:fillRect/>
+          </a:stretch>
+        </p:blipFill>
+        <p:spPr>
+          <a:xfrm>
+            <a:off x="625274" y="1600201"/>
+            <a:ext cx="3680189" cy="2110154"/>
+          </a:xfrm>
+          <a:prstGeom prst="rect">
+            <a:avLst/>
+          </a:prstGeom>
+        </p:spPr>
+      </p:pic>
+      <p:pic>
+        <p:nvPicPr>
+          <p:cNvPr id="5" name="Рисунок 4"/>
+          <p:cNvPicPr>
+            <a:picLocks noChangeAspect="1"/>
+          </p:cNvPicPr>
+          <p:nvPr/>
+        </p:nvPicPr>
+        <p:blipFill>
+          <a:blip r:embed="rId3"/>
+          <a:stretch>
+            <a:fillRect/>
+          </a:stretch>
+        </p:blipFill>
+        <p:spPr>
+          <a:xfrm>
+            <a:off x="4305463" y="1600201"/>
+            <a:ext cx="3686745" cy="2107673"/>
+          </a:xfrm>
+          <a:prstGeom prst="rect">
+            <a:avLst/>
+          </a:prstGeom>
+        </p:spPr>
+      </p:pic>
+      <p:pic>
+        <p:nvPicPr>
+          <p:cNvPr id="6" name="Рисунок 5"/>
+          <p:cNvPicPr>
+            <a:picLocks noChangeAspect="1"/>
+          </p:cNvPicPr>
+          <p:nvPr/>
+        </p:nvPicPr>
+        <p:blipFill>
+          <a:blip r:embed="rId4"/>
+          <a:stretch>
+            <a:fillRect/>
+          </a:stretch>
+        </p:blipFill>
+        <p:spPr>
+          <a:xfrm>
+            <a:off x="1981938" y="3707874"/>
+            <a:ext cx="4665045" cy="2661468"/>
+          </a:xfrm>
+          <a:prstGeom prst="rect">
+            <a:avLst/>
+          </a:prstGeom>
+        </p:spPr>
+      </p:pic>
     </p:spTree>
   </p:cSld>
   <p:clrMapOvr>
